--- a/An Analysis of the  LendingClub Loan Grades Presentation.pptx
+++ b/An Analysis of the  LendingClub Loan Grades Presentation.pptx
@@ -239,7 +239,7 @@
           <a:p>
             <a:fld id="{EF1077DB-935E-4A0A-947A-D283B9F9F452}" type="datetimeFigureOut">
               <a:rPr lang="en-US" smtClean="0"/>
-              <a:t>12/3/2019</a:t>
+              <a:t>7/6/2020</a:t>
             </a:fld>
             <a:endParaRPr lang="en-US" dirty="0"/>
           </a:p>
@@ -416,7 +416,7 @@
           <a:p>
             <a:fld id="{2D9EC30E-1A71-4188-9BE7-E2A64929A436}" type="datetimeFigureOut">
               <a:rPr lang="en-US" noProof="0" smtClean="0"/>
-              <a:t>12/3/2019</a:t>
+              <a:t>7/6/2020</a:t>
             </a:fld>
             <a:endParaRPr lang="en-US" noProof="0" dirty="0"/>
           </a:p>
@@ -14052,15 +14052,6 @@
 </file>
 
 <file path=customXml/item1.xml><?xml version="1.0" encoding="utf-8"?>
-<?mso-contentType ?>
-<FormTemplates xmlns="http://schemas.microsoft.com/sharepoint/v3/contenttype/forms">
-  <Display>DocumentLibraryForm</Display>
-  <Edit>DocumentLibraryForm</Edit>
-  <New>DocumentLibraryForm</New>
-</FormTemplates>
-</file>
-
-<file path=customXml/item2.xml><?xml version="1.0" encoding="utf-8"?>
 <ct:contentTypeSchema xmlns:ct="http://schemas.microsoft.com/office/2006/metadata/contentType" xmlns:ma="http://schemas.microsoft.com/office/2006/metadata/properties/metaAttributes" ct:_="" ma:_="" ma:contentTypeName="Document" ma:contentTypeID="0x01010079F111ED35F8CC479449609E8A0923A6" ma:contentTypeVersion="11" ma:contentTypeDescription="Create a new document." ma:contentTypeScope="" ma:versionID="96291512c1ee715ab617f4c07df79fc1">
   <xsd:schema xmlns:xsd="http://www.w3.org/2001/XMLSchema" xmlns:xs="http://www.w3.org/2001/XMLSchema" xmlns:p="http://schemas.microsoft.com/office/2006/metadata/properties" xmlns:ns2="71af3243-3dd4-4a8d-8c0d-dd76da1f02a5" xmlns:ns3="16c05727-aa75-4e4a-9b5f-8a80a1165891" targetNamespace="http://schemas.microsoft.com/office/2006/metadata/properties" ma:root="true" ma:fieldsID="8256c27c40ca5c40ce1cf6c44f0205df" ns2:_="" ns3:_="">
     <xsd:import namespace="71af3243-3dd4-4a8d-8c0d-dd76da1f02a5"/>
@@ -14271,6 +14262,15 @@
 </ct:contentTypeSchema>
 </file>
 
+<file path=customXml/item2.xml><?xml version="1.0" encoding="utf-8"?>
+<?mso-contentType ?>
+<FormTemplates xmlns="http://schemas.microsoft.com/sharepoint/v3/contenttype/forms">
+  <Display>DocumentLibraryForm</Display>
+  <Edit>DocumentLibraryForm</Edit>
+  <New>DocumentLibraryForm</New>
+</FormTemplates>
+</file>
+
 <file path=customXml/item3.xml><?xml version="1.0" encoding="utf-8"?>
 <p:properties xmlns:p="http://schemas.microsoft.com/office/2006/metadata/properties" xmlns:xsi="http://www.w3.org/2001/XMLSchema-instance" xmlns:pc="http://schemas.microsoft.com/office/infopath/2007/PartnerControls">
   <documentManagement>
@@ -14280,14 +14280,6 @@
 </file>
 
 <file path=customXml/itemProps1.xml><?xml version="1.0" encoding="utf-8"?>
-<ds:datastoreItem xmlns:ds="http://schemas.openxmlformats.org/officeDocument/2006/customXml" ds:itemID="{1E1D8AE1-AF50-4238-9545-788684540ABB}">
-  <ds:schemaRefs>
-    <ds:schemaRef ds:uri="http://schemas.microsoft.com/sharepoint/v3/contenttype/forms"/>
-  </ds:schemaRefs>
-</ds:datastoreItem>
-</file>
-
-<file path=customXml/itemProps2.xml><?xml version="1.0" encoding="utf-8"?>
 <ds:datastoreItem xmlns:ds="http://schemas.openxmlformats.org/officeDocument/2006/customXml" ds:itemID="{1B15BD18-190D-4514-9BDF-0746D033B577}">
   <ds:schemaRefs>
     <ds:schemaRef ds:uri="http://schemas.microsoft.com/office/2006/metadata/contentType"/>
@@ -14306,6 +14298,14 @@
 </ds:datastoreItem>
 </file>
 
+<file path=customXml/itemProps2.xml><?xml version="1.0" encoding="utf-8"?>
+<ds:datastoreItem xmlns:ds="http://schemas.openxmlformats.org/officeDocument/2006/customXml" ds:itemID="{1E1D8AE1-AF50-4238-9545-788684540ABB}">
+  <ds:schemaRefs>
+    <ds:schemaRef ds:uri="http://schemas.microsoft.com/sharepoint/v3/contenttype/forms"/>
+  </ds:schemaRefs>
+</ds:datastoreItem>
+</file>
+
 <file path=customXml/itemProps3.xml><?xml version="1.0" encoding="utf-8"?>
 <ds:datastoreItem xmlns:ds="http://schemas.openxmlformats.org/officeDocument/2006/customXml" ds:itemID="{8519935D-ADE6-42ED-B568-839405AD6ABE}">
   <ds:schemaRefs>
